--- a/7 Days Workshop/Zoom_Orientation_Meeting_Slides.pptx
+++ b/7 Days Workshop/Zoom_Orientation_Meeting_Slides.pptx
@@ -6,15 +6,16 @@
   </p:sldMasterIdLst>
   <p:sldIdLst>
     <p:sldId id="256" r:id="rId2"/>
-    <p:sldId id="257" r:id="rId3"/>
-    <p:sldId id="265" r:id="rId4"/>
-    <p:sldId id="258" r:id="rId5"/>
-    <p:sldId id="259" r:id="rId6"/>
-    <p:sldId id="260" r:id="rId7"/>
-    <p:sldId id="261" r:id="rId8"/>
-    <p:sldId id="262" r:id="rId9"/>
-    <p:sldId id="263" r:id="rId10"/>
-    <p:sldId id="264" r:id="rId11"/>
+    <p:sldId id="266" r:id="rId3"/>
+    <p:sldId id="257" r:id="rId4"/>
+    <p:sldId id="265" r:id="rId5"/>
+    <p:sldId id="258" r:id="rId6"/>
+    <p:sldId id="259" r:id="rId7"/>
+    <p:sldId id="260" r:id="rId8"/>
+    <p:sldId id="261" r:id="rId9"/>
+    <p:sldId id="262" r:id="rId10"/>
+    <p:sldId id="263" r:id="rId11"/>
+    <p:sldId id="264" r:id="rId12"/>
   </p:sldIdLst>
   <p:sldSz cx="12188825" cy="6858000"/>
   <p:notesSz cx="6858000" cy="9144000"/>
@@ -734,7 +735,7 @@
           <a:p>
             <a:fld id="{5BCAD085-E8A6-8845-BD4E-CB4CCA059FC4}" type="datetimeFigureOut">
               <a:rPr lang="en-US" smtClean="0"/>
-              <a:t>9/16/2025</a:t>
+              <a:t>7/20/2025</a:t>
             </a:fld>
             <a:endParaRPr lang="en-US"/>
           </a:p>
@@ -1822,7 +1823,7 @@
           <a:p>
             <a:fld id="{5BCAD085-E8A6-8845-BD4E-CB4CCA059FC4}" type="datetimeFigureOut">
               <a:rPr lang="en-US" smtClean="0"/>
-              <a:t>9/16/2025</a:t>
+              <a:t>7/20/2025</a:t>
             </a:fld>
             <a:endParaRPr lang="en-US"/>
           </a:p>
@@ -2802,7 +2803,7 @@
           <a:p>
             <a:fld id="{5BCAD085-E8A6-8845-BD4E-CB4CCA059FC4}" type="datetimeFigureOut">
               <a:rPr lang="en-US" smtClean="0"/>
-              <a:t>9/16/2025</a:t>
+              <a:t>7/20/2025</a:t>
             </a:fld>
             <a:endParaRPr lang="en-US"/>
           </a:p>
@@ -3936,7 +3937,7 @@
           <a:p>
             <a:fld id="{5BCAD085-E8A6-8845-BD4E-CB4CCA059FC4}" type="datetimeFigureOut">
               <a:rPr lang="en-US" smtClean="0"/>
-              <a:t>9/16/2025</a:t>
+              <a:t>7/20/2025</a:t>
             </a:fld>
             <a:endParaRPr lang="en-US"/>
           </a:p>
@@ -4969,7 +4970,7 @@
           <a:p>
             <a:fld id="{5BCAD085-E8A6-8845-BD4E-CB4CCA059FC4}" type="datetimeFigureOut">
               <a:rPr lang="en-US" smtClean="0"/>
-              <a:t>9/16/2025</a:t>
+              <a:t>7/20/2025</a:t>
             </a:fld>
             <a:endParaRPr lang="en-US"/>
           </a:p>
@@ -5629,7 +5630,7 @@
           <a:p>
             <a:fld id="{5BCAD085-E8A6-8845-BD4E-CB4CCA059FC4}" type="datetimeFigureOut">
               <a:rPr lang="en-US" smtClean="0"/>
-              <a:t>9/16/2025</a:t>
+              <a:t>7/20/2025</a:t>
             </a:fld>
             <a:endParaRPr lang="en-US"/>
           </a:p>
@@ -6490,7 +6491,7 @@
           <a:p>
             <a:fld id="{5BCAD085-E8A6-8845-BD4E-CB4CCA059FC4}" type="datetimeFigureOut">
               <a:rPr lang="en-US" smtClean="0"/>
-              <a:t>9/16/2025</a:t>
+              <a:t>7/20/2025</a:t>
             </a:fld>
             <a:endParaRPr lang="en-US"/>
           </a:p>
@@ -6680,7 +6681,7 @@
           <a:p>
             <a:fld id="{5BCAD085-E8A6-8845-BD4E-CB4CCA059FC4}" type="datetimeFigureOut">
               <a:rPr lang="en-US" smtClean="0"/>
-              <a:t>9/16/2025</a:t>
+              <a:t>7/20/2025</a:t>
             </a:fld>
             <a:endParaRPr lang="en-US"/>
           </a:p>
@@ -7652,7 +7653,7 @@
           <a:p>
             <a:fld id="{5BCAD085-E8A6-8845-BD4E-CB4CCA059FC4}" type="datetimeFigureOut">
               <a:rPr lang="en-US" smtClean="0"/>
-              <a:t>9/16/2025</a:t>
+              <a:t>7/20/2025</a:t>
             </a:fld>
             <a:endParaRPr lang="en-US"/>
           </a:p>
@@ -7863,7 +7864,7 @@
           <a:p>
             <a:fld id="{5BCAD085-E8A6-8845-BD4E-CB4CCA059FC4}" type="datetimeFigureOut">
               <a:rPr lang="en-US" smtClean="0"/>
-              <a:t>9/16/2025</a:t>
+              <a:t>7/20/2025</a:t>
             </a:fld>
             <a:endParaRPr lang="en-US"/>
           </a:p>
@@ -8897,7 +8898,7 @@
           <a:p>
             <a:fld id="{5BCAD085-E8A6-8845-BD4E-CB4CCA059FC4}" type="datetimeFigureOut">
               <a:rPr lang="en-US" smtClean="0"/>
-              <a:t>9/16/2025</a:t>
+              <a:t>7/20/2025</a:t>
             </a:fld>
             <a:endParaRPr lang="en-US"/>
           </a:p>
@@ -9169,7 +9170,7 @@
           <a:p>
             <a:fld id="{5BCAD085-E8A6-8845-BD4E-CB4CCA059FC4}" type="datetimeFigureOut">
               <a:rPr lang="en-US" smtClean="0"/>
-              <a:t>9/16/2025</a:t>
+              <a:t>7/20/2025</a:t>
             </a:fld>
             <a:endParaRPr lang="en-US"/>
           </a:p>
@@ -9579,7 +9580,7 @@
           <a:p>
             <a:fld id="{5BCAD085-E8A6-8845-BD4E-CB4CCA059FC4}" type="datetimeFigureOut">
               <a:rPr lang="en-US" smtClean="0"/>
-              <a:t>9/16/2025</a:t>
+              <a:t>7/20/2025</a:t>
             </a:fld>
             <a:endParaRPr lang="en-US"/>
           </a:p>
@@ -9706,7 +9707,7 @@
           <a:p>
             <a:fld id="{5BCAD085-E8A6-8845-BD4E-CB4CCA059FC4}" type="datetimeFigureOut">
               <a:rPr lang="en-US" smtClean="0"/>
-              <a:t>9/16/2025</a:t>
+              <a:t>7/20/2025</a:t>
             </a:fld>
             <a:endParaRPr lang="en-US"/>
           </a:p>
@@ -9801,7 +9802,7 @@
           <a:p>
             <a:fld id="{5BCAD085-E8A6-8845-BD4E-CB4CCA059FC4}" type="datetimeFigureOut">
               <a:rPr lang="en-US" smtClean="0"/>
-              <a:t>9/16/2025</a:t>
+              <a:t>7/20/2025</a:t>
             </a:fld>
             <a:endParaRPr lang="en-US"/>
           </a:p>
@@ -10882,7 +10883,7 @@
           <a:p>
             <a:fld id="{5BCAD085-E8A6-8845-BD4E-CB4CCA059FC4}" type="datetimeFigureOut">
               <a:rPr lang="en-US" smtClean="0"/>
-              <a:t>9/16/2025</a:t>
+              <a:t>7/20/2025</a:t>
             </a:fld>
             <a:endParaRPr lang="en-US"/>
           </a:p>
@@ -11990,7 +11991,7 @@
           <a:p>
             <a:fld id="{5BCAD085-E8A6-8845-BD4E-CB4CCA059FC4}" type="datetimeFigureOut">
               <a:rPr lang="en-US" smtClean="0"/>
-              <a:t>9/16/2025</a:t>
+              <a:t>7/20/2025</a:t>
             </a:fld>
             <a:endParaRPr lang="en-US"/>
           </a:p>
@@ -12987,7 +12988,7 @@
           <a:p>
             <a:fld id="{5BCAD085-E8A6-8845-BD4E-CB4CCA059FC4}" type="datetimeFigureOut">
               <a:rPr lang="en-US" smtClean="0"/>
-              <a:t>9/16/2025</a:t>
+              <a:t>7/20/2025</a:t>
             </a:fld>
             <a:endParaRPr lang="en-US"/>
           </a:p>
@@ -13653,7 +13654,7 @@
           <a:lstStyle/>
           <a:p>
             <a:r>
-              <a:t>Thank You &amp; See You in Class</a:t>
+              <a:t>For Any Queries</a:t>
             </a:r>
           </a:p>
         </p:txBody>
@@ -13677,24 +13678,25 @@
           <a:p>
             <a:r>
               <a:rPr sz="2000" dirty="0"/>
-              <a:t>✅ Get Ready for an Exciting Learning Journey!</a:t>
+              <a:t>📞 Sudhir Sir: 8409522069</a:t>
             </a:r>
           </a:p>
           <a:p>
             <a:r>
               <a:rPr sz="2000" dirty="0"/>
-              <a:t>✅ Offline Class Starts from </a:t>
-            </a:r>
-            <a:r>
-              <a:rPr lang="en-US" sz="2000" dirty="0"/>
-              <a:t>21/07/2025</a:t>
-            </a:r>
-            <a:endParaRPr sz="2000" dirty="0"/>
+              <a:t>📞 Suraj Sir: 8427714353</a:t>
+            </a:r>
           </a:p>
           <a:p>
             <a:r>
               <a:rPr sz="2000" dirty="0"/>
-              <a:t>✅ Stay Positive, Be Punctual &amp; Learn Practically</a:t>
+              <a:t>✅ Ask Doubts Freely Anytime</a:t>
+            </a:r>
+          </a:p>
+          <a:p>
+            <a:r>
+              <a:rPr sz="2000" dirty="0"/>
+              <a:t>✅ WhatsApp Support Available</a:t>
             </a:r>
           </a:p>
         </p:txBody>
@@ -13707,7 +13709,7 @@
 </p:sld>
 </file>
 
-<file path=ppt/slides/slide2.xml><?xml version="1.0" encoding="utf-8"?>
+<file path=ppt/slides/slide11.xml><?xml version="1.0" encoding="utf-8"?>
 <p:sld xmlns:a="http://schemas.openxmlformats.org/drawingml/2006/main" xmlns:r="http://schemas.openxmlformats.org/officeDocument/2006/relationships" xmlns:p="http://schemas.openxmlformats.org/presentationml/2006/main">
   <p:cSld>
     <p:spTree>
@@ -13740,7 +13742,7 @@
           <a:lstStyle/>
           <a:p>
             <a:r>
-              <a:t>Purpose of This Meeting</a:t>
+              <a:t>Thank You &amp; See You in Class</a:t>
             </a:r>
           </a:p>
         </p:txBody>
@@ -13755,12 +13757,7 @@
             <p:ph idx="1"/>
           </p:nvPr>
         </p:nvSpPr>
-        <p:spPr>
-          <a:xfrm>
-            <a:off x="649224" y="2633473"/>
-            <a:ext cx="8229600" cy="3337560"/>
-          </a:xfrm>
-        </p:spPr>
+        <p:spPr/>
         <p:txBody>
           <a:bodyPr>
             <a:normAutofit/>
@@ -13769,24 +13766,328 @@
           <a:p>
             <a:r>
               <a:rPr sz="2000" dirty="0"/>
-              <a:t>- Discuss batch details &amp; class process</a:t>
+              <a:t>✅ Get Ready for an Exciting Learning Journey!</a:t>
             </a:r>
           </a:p>
           <a:p>
             <a:r>
               <a:rPr sz="2000" dirty="0"/>
-              <a:t>- Answer common student questions</a:t>
-            </a:r>
+              <a:t>✅ Offline Class Starts from </a:t>
+            </a:r>
+            <a:r>
+              <a:rPr lang="en-US" sz="2000" dirty="0"/>
+              <a:t>21/07/2025</a:t>
+            </a:r>
+            <a:endParaRPr sz="2000" dirty="0"/>
           </a:p>
           <a:p>
             <a:r>
               <a:rPr sz="2000" dirty="0"/>
-              <a:t>- Share important institute rules</a:t>
+              <a:t>✅ Stay Positive, Be Punctual &amp; Learn Practically</a:t>
             </a:r>
           </a:p>
         </p:txBody>
       </p:sp>
     </p:spTree>
+  </p:cSld>
+  <p:clrMapOvr>
+    <a:masterClrMapping/>
+  </p:clrMapOvr>
+</p:sld>
+</file>
+
+<file path=ppt/slides/slide2.xml><?xml version="1.0" encoding="utf-8"?>
+<p:sld xmlns:a="http://schemas.openxmlformats.org/drawingml/2006/main" xmlns:r="http://schemas.openxmlformats.org/officeDocument/2006/relationships" xmlns:p="http://schemas.openxmlformats.org/presentationml/2006/main">
+  <p:cSld>
+    <p:spTree>
+      <p:nvGrpSpPr>
+        <p:cNvPr id="1" name=""/>
+        <p:cNvGrpSpPr/>
+        <p:nvPr/>
+      </p:nvGrpSpPr>
+      <p:grpSpPr>
+        <a:xfrm>
+          <a:off x="0" y="0"/>
+          <a:ext cx="0" cy="0"/>
+          <a:chOff x="0" y="0"/>
+          <a:chExt cx="0" cy="0"/>
+        </a:xfrm>
+      </p:grpSpPr>
+      <p:sp>
+        <p:nvSpPr>
+          <p:cNvPr id="2" name="Title 1">
+            <a:extLst>
+              <a:ext uri="{FF2B5EF4-FFF2-40B4-BE49-F238E27FC236}">
+                <a16:creationId xmlns:a16="http://schemas.microsoft.com/office/drawing/2014/main" id="{A1565660-87CB-7C7D-4D92-2861F71DC543}"/>
+              </a:ext>
+            </a:extLst>
+          </p:cNvPr>
+          <p:cNvSpPr>
+            <a:spLocks noGrp="1"/>
+          </p:cNvSpPr>
+          <p:nvPr>
+            <p:ph type="title"/>
+          </p:nvPr>
+        </p:nvSpPr>
+        <p:spPr/>
+        <p:txBody>
+          <a:bodyPr/>
+          <a:lstStyle/>
+          <a:p>
+            <a:endParaRPr lang="en-IN" dirty="0"/>
+          </a:p>
+        </p:txBody>
+      </p:sp>
+      <p:sp>
+        <p:nvSpPr>
+          <p:cNvPr id="3" name="Content Placeholder 2">
+            <a:extLst>
+              <a:ext uri="{FF2B5EF4-FFF2-40B4-BE49-F238E27FC236}">
+                <a16:creationId xmlns:a16="http://schemas.microsoft.com/office/drawing/2014/main" id="{479635B4-27B2-5832-CF6E-F130651A2F27}"/>
+              </a:ext>
+            </a:extLst>
+          </p:cNvPr>
+          <p:cNvSpPr>
+            <a:spLocks noGrp="1"/>
+          </p:cNvSpPr>
+          <p:nvPr>
+            <p:ph idx="1"/>
+          </p:nvPr>
+        </p:nvSpPr>
+        <p:spPr/>
+        <p:txBody>
+          <a:bodyPr/>
+          <a:lstStyle/>
+          <a:p>
+            <a:endParaRPr lang="en-US" dirty="0"/>
+          </a:p>
+          <a:p>
+            <a:endParaRPr lang="en-IN" dirty="0"/>
+          </a:p>
+          <a:p>
+            <a:endParaRPr lang="en-IN" dirty="0"/>
+          </a:p>
+          <a:p>
+            <a:endParaRPr lang="en-IN" dirty="0"/>
+          </a:p>
+          <a:p>
+            <a:endParaRPr lang="en-IN" dirty="0"/>
+          </a:p>
+          <a:p>
+            <a:endParaRPr lang="en-IN" dirty="0"/>
+          </a:p>
+          <a:p>
+            <a:endParaRPr lang="en-IN" dirty="0"/>
+          </a:p>
+          <a:p>
+            <a:endParaRPr lang="en-IN" dirty="0"/>
+          </a:p>
+          <a:p>
+            <a:endParaRPr lang="en-IN" dirty="0"/>
+          </a:p>
+          <a:p>
+            <a:endParaRPr lang="en-IN" dirty="0"/>
+          </a:p>
+          <a:p>
+            <a:endParaRPr lang="en-IN" dirty="0"/>
+          </a:p>
+          <a:p>
+            <a:endParaRPr lang="en-IN" dirty="0"/>
+          </a:p>
+          <a:p>
+            <a:endParaRPr lang="en-IN" dirty="0"/>
+          </a:p>
+          <a:p>
+            <a:endParaRPr lang="en-IN" dirty="0"/>
+          </a:p>
+          <a:p>
+            <a:endParaRPr lang="en-IN" dirty="0"/>
+          </a:p>
+          <a:p>
+            <a:endParaRPr lang="en-IN" dirty="0"/>
+          </a:p>
+          <a:p>
+            <a:endParaRPr lang="en-IN" dirty="0"/>
+          </a:p>
+          <a:p>
+            <a:endParaRPr lang="en-IN" dirty="0"/>
+          </a:p>
+          <a:p>
+            <a:endParaRPr lang="en-IN" dirty="0"/>
+          </a:p>
+          <a:p>
+            <a:endParaRPr lang="en-IN" dirty="0"/>
+          </a:p>
+          <a:p>
+            <a:endParaRPr lang="en-IN" dirty="0"/>
+          </a:p>
+          <a:p>
+            <a:endParaRPr lang="en-IN" dirty="0"/>
+          </a:p>
+          <a:p>
+            <a:endParaRPr lang="en-IN" dirty="0"/>
+          </a:p>
+          <a:p>
+            <a:endParaRPr lang="en-IN" dirty="0"/>
+          </a:p>
+          <a:p>
+            <a:endParaRPr lang="en-IN" dirty="0"/>
+          </a:p>
+          <a:p>
+            <a:endParaRPr lang="en-IN" dirty="0"/>
+          </a:p>
+          <a:p>
+            <a:endParaRPr lang="en-IN" dirty="0"/>
+          </a:p>
+          <a:p>
+            <a:endParaRPr lang="en-IN" dirty="0"/>
+          </a:p>
+          <a:p>
+            <a:endParaRPr lang="en-IN" dirty="0"/>
+          </a:p>
+          <a:p>
+            <a:endParaRPr lang="en-IN" dirty="0"/>
+          </a:p>
+          <a:p>
+            <a:endParaRPr lang="en-IN" dirty="0"/>
+          </a:p>
+          <a:p>
+            <a:endParaRPr lang="en-IN" dirty="0"/>
+          </a:p>
+          <a:p>
+            <a:endParaRPr lang="en-IN" dirty="0"/>
+          </a:p>
+          <a:p>
+            <a:endParaRPr lang="en-IN" dirty="0"/>
+          </a:p>
+          <a:p>
+            <a:endParaRPr lang="en-IN" dirty="0"/>
+          </a:p>
+          <a:p>
+            <a:endParaRPr lang="en-IN" dirty="0"/>
+          </a:p>
+          <a:p>
+            <a:endParaRPr lang="en-IN" dirty="0"/>
+          </a:p>
+          <a:p>
+            <a:endParaRPr lang="en-IN" dirty="0"/>
+          </a:p>
+          <a:p>
+            <a:endParaRPr lang="en-IN" dirty="0"/>
+          </a:p>
+          <a:p>
+            <a:endParaRPr lang="en-IN" dirty="0"/>
+          </a:p>
+          <a:p>
+            <a:endParaRPr lang="en-IN" dirty="0"/>
+          </a:p>
+          <a:p>
+            <a:endParaRPr lang="en-IN" dirty="0"/>
+          </a:p>
+          <a:p>
+            <a:endParaRPr lang="en-IN" dirty="0"/>
+          </a:p>
+          <a:p>
+            <a:endParaRPr lang="en-IN" dirty="0"/>
+          </a:p>
+          <a:p>
+            <a:endParaRPr lang="en-IN" dirty="0"/>
+          </a:p>
+          <a:p>
+            <a:endParaRPr lang="en-IN" dirty="0"/>
+          </a:p>
+          <a:p>
+            <a:endParaRPr lang="en-IN" dirty="0"/>
+          </a:p>
+          <a:p>
+            <a:endParaRPr lang="en-IN" dirty="0"/>
+          </a:p>
+          <a:p>
+            <a:endParaRPr lang="en-IN" dirty="0"/>
+          </a:p>
+          <a:p>
+            <a:endParaRPr lang="en-IN" dirty="0"/>
+          </a:p>
+          <a:p>
+            <a:endParaRPr lang="en-IN" dirty="0"/>
+          </a:p>
+          <a:p>
+            <a:endParaRPr lang="en-IN" dirty="0"/>
+          </a:p>
+          <a:p>
+            <a:endParaRPr lang="en-IN" dirty="0"/>
+          </a:p>
+          <a:p>
+            <a:endParaRPr lang="en-IN" dirty="0"/>
+          </a:p>
+          <a:p>
+            <a:endParaRPr lang="en-IN" dirty="0"/>
+          </a:p>
+          <a:p>
+            <a:endParaRPr lang="en-IN" dirty="0"/>
+          </a:p>
+          <a:p>
+            <a:endParaRPr lang="en-IN" dirty="0"/>
+          </a:p>
+          <a:p>
+            <a:endParaRPr lang="en-IN" dirty="0"/>
+          </a:p>
+          <a:p>
+            <a:endParaRPr lang="en-IN" dirty="0"/>
+          </a:p>
+          <a:p>
+            <a:endParaRPr lang="en-IN" dirty="0"/>
+          </a:p>
+          <a:p>
+            <a:endParaRPr lang="en-IN" dirty="0"/>
+          </a:p>
+          <a:p>
+            <a:endParaRPr lang="en-IN" dirty="0"/>
+          </a:p>
+          <a:p>
+            <a:endParaRPr lang="en-IN" dirty="0"/>
+          </a:p>
+          <a:p>
+            <a:endParaRPr lang="en-IN" dirty="0"/>
+          </a:p>
+          <a:p>
+            <a:endParaRPr lang="en-IN" dirty="0"/>
+          </a:p>
+          <a:p>
+            <a:endParaRPr lang="en-IN" dirty="0"/>
+          </a:p>
+          <a:p>
+            <a:endParaRPr lang="en-IN" dirty="0"/>
+          </a:p>
+          <a:p>
+            <a:endParaRPr lang="en-IN" dirty="0"/>
+          </a:p>
+          <a:p>
+            <a:endParaRPr lang="en-IN" dirty="0"/>
+          </a:p>
+          <a:p>
+            <a:endParaRPr lang="en-IN" dirty="0"/>
+          </a:p>
+          <a:p>
+            <a:endParaRPr lang="en-IN" dirty="0"/>
+          </a:p>
+          <a:p>
+            <a:endParaRPr lang="en-IN" dirty="0"/>
+          </a:p>
+          <a:p>
+            <a:endParaRPr lang="en-IN" dirty="0"/>
+          </a:p>
+          <a:p>
+            <a:endParaRPr lang="en-IN" dirty="0"/>
+          </a:p>
+        </p:txBody>
+      </p:sp>
+    </p:spTree>
+    <p:extLst>
+      <p:ext uri="{BB962C8B-B14F-4D97-AF65-F5344CB8AC3E}">
+        <p14:creationId xmlns:p14="http://schemas.microsoft.com/office/powerpoint/2010/main" val="1146339265"/>
+      </p:ext>
+    </p:extLst>
   </p:cSld>
   <p:clrMapOvr>
     <a:masterClrMapping/>
@@ -13827,118 +14128,48 @@
           <a:lstStyle/>
           <a:p>
             <a:r>
-              <a:t>💡 Why You Should Join?</a:t>
+              <a:t>Purpose of This Meeting</a:t>
             </a:r>
           </a:p>
         </p:txBody>
       </p:sp>
       <p:sp>
         <p:nvSpPr>
-          <p:cNvPr id="3" name="TextBox 2"/>
-          <p:cNvSpPr txBox="1"/>
-          <p:nvPr/>
+          <p:cNvPr id="3" name="Content Placeholder 2"/>
+          <p:cNvSpPr>
+            <a:spLocks noGrp="1"/>
+          </p:cNvSpPr>
+          <p:nvPr>
+            <p:ph idx="1"/>
+          </p:nvPr>
         </p:nvSpPr>
         <p:spPr>
           <a:xfrm>
-            <a:off x="1549844" y="2441449"/>
-            <a:ext cx="4463081" cy="2343077"/>
+            <a:off x="649224" y="2633473"/>
+            <a:ext cx="8229600" cy="3337560"/>
           </a:xfrm>
-          <a:prstGeom prst="rect">
-            <a:avLst/>
-          </a:prstGeom>
-          <a:noFill/>
         </p:spPr>
         <p:txBody>
-          <a:bodyPr wrap="none">
-            <a:spAutoFit/>
+          <a:bodyPr>
+            <a:normAutofit/>
           </a:bodyPr>
           <a:lstStyle/>
           <a:p>
-            <a:pPr>
-              <a:lnSpc>
-                <a:spcPct val="150000"/>
-              </a:lnSpc>
-            </a:pPr>
-            <a:endParaRPr sz="2000" dirty="0"/>
-          </a:p>
-          <a:p>
-            <a:pPr>
-              <a:lnSpc>
-                <a:spcPct val="150000"/>
-              </a:lnSpc>
-              <a:defRPr sz="2400"/>
-            </a:pPr>
             <a:r>
               <a:rPr sz="2000" dirty="0"/>
-              <a:t>👉 </a:t>
-            </a:r>
-            <a:r>
-              <a:rPr lang="en-US" sz="2000" dirty="0"/>
-              <a:t> </a:t>
-            </a:r>
+              <a:t>- Discuss batch details &amp; class process</a:t>
+            </a:r>
+          </a:p>
+          <a:p>
             <a:r>
               <a:rPr sz="2000" dirty="0"/>
-              <a:t>Basic Computer Skills</a:t>
-            </a:r>
-          </a:p>
-          <a:p>
-            <a:pPr>
-              <a:lnSpc>
-                <a:spcPct val="150000"/>
-              </a:lnSpc>
-              <a:defRPr sz="2400"/>
-            </a:pPr>
+              <a:t>- Answer common student questions</a:t>
+            </a:r>
+          </a:p>
+          <a:p>
             <a:r>
               <a:rPr sz="2000" dirty="0"/>
-              <a:t>👉 </a:t>
-            </a:r>
-            <a:r>
-              <a:rPr lang="en-US" sz="2000" dirty="0"/>
-              <a:t> </a:t>
-            </a:r>
-            <a:r>
-              <a:rPr sz="2000" dirty="0"/>
-              <a:t>Interview &amp; Study Confidence</a:t>
-            </a:r>
-          </a:p>
-          <a:p>
-            <a:pPr>
-              <a:lnSpc>
-                <a:spcPct val="150000"/>
-              </a:lnSpc>
-              <a:defRPr sz="2400"/>
-            </a:pPr>
-            <a:r>
-              <a:rPr sz="2000" dirty="0"/>
-              <a:t>👉 </a:t>
-            </a:r>
-            <a:r>
-              <a:rPr lang="en-US" sz="2000" dirty="0"/>
-              <a:t> </a:t>
-            </a:r>
-            <a:r>
-              <a:rPr sz="2000" dirty="0"/>
-              <a:t>Certificate for Future Value</a:t>
-            </a:r>
-          </a:p>
-          <a:p>
-            <a:pPr>
-              <a:lnSpc>
-                <a:spcPct val="150000"/>
-              </a:lnSpc>
-              <a:defRPr sz="2400"/>
-            </a:pPr>
-            <a:r>
-              <a:rPr sz="2000" dirty="0"/>
-              <a:t>👉 </a:t>
-            </a:r>
-            <a:r>
-              <a:rPr lang="en-US" sz="2000" dirty="0"/>
-              <a:t> </a:t>
-            </a:r>
-            <a:r>
-              <a:rPr sz="2000" dirty="0"/>
-              <a:t>Time ka Best Use - Skill Develop</a:t>
+              <a:t>- Share important institute rules</a:t>
             </a:r>
           </a:p>
         </p:txBody>
@@ -13984,91 +14215,118 @@
           <a:lstStyle/>
           <a:p>
             <a:r>
-              <a:t>Offline Batch Details</a:t>
+              <a:t>💡 Why You Should Join?</a:t>
             </a:r>
           </a:p>
         </p:txBody>
       </p:sp>
       <p:sp>
         <p:nvSpPr>
-          <p:cNvPr id="3" name="Content Placeholder 2"/>
-          <p:cNvSpPr>
-            <a:spLocks noGrp="1"/>
-          </p:cNvSpPr>
-          <p:nvPr>
-            <p:ph idx="1"/>
-          </p:nvPr>
+          <p:cNvPr id="3" name="TextBox 2"/>
+          <p:cNvSpPr txBox="1"/>
+          <p:nvPr/>
         </p:nvSpPr>
         <p:spPr>
           <a:xfrm>
-            <a:off x="1154654" y="2603500"/>
-            <a:ext cx="8759131" cy="3416300"/>
+            <a:off x="1549844" y="2441449"/>
+            <a:ext cx="4463081" cy="2343077"/>
           </a:xfrm>
+          <a:prstGeom prst="rect">
+            <a:avLst/>
+          </a:prstGeom>
+          <a:noFill/>
         </p:spPr>
         <p:txBody>
-          <a:bodyPr>
-            <a:normAutofit/>
+          <a:bodyPr wrap="none">
+            <a:spAutoFit/>
           </a:bodyPr>
           <a:lstStyle/>
           <a:p>
+            <a:pPr>
+              <a:lnSpc>
+                <a:spcPct val="150000"/>
+              </a:lnSpc>
+            </a:pPr>
+            <a:endParaRPr sz="2000" dirty="0"/>
+          </a:p>
+          <a:p>
+            <a:pPr>
+              <a:lnSpc>
+                <a:spcPct val="150000"/>
+              </a:lnSpc>
+              <a:defRPr sz="2400"/>
+            </a:pPr>
             <a:r>
               <a:rPr sz="2000" dirty="0"/>
-              <a:t>- Batch Starting Date: </a:t>
+              <a:t>👉 </a:t>
             </a:r>
             <a:r>
               <a:rPr lang="en-US" sz="2000" dirty="0"/>
-              <a:t>21/07/2025</a:t>
-            </a:r>
-            <a:endParaRPr sz="2000" dirty="0"/>
-          </a:p>
-          <a:p>
+              <a:t> </a:t>
+            </a:r>
             <a:r>
               <a:rPr sz="2000" dirty="0"/>
-              <a:t>- Timing: </a:t>
-            </a:r>
-            <a:endParaRPr lang="en-US" sz="2000" dirty="0"/>
-          </a:p>
-          <a:p>
-            <a:pPr lvl="1"/>
-            <a:r>
-              <a:rPr lang="en-US" sz="1801" dirty="0"/>
-              <a:t>Batch 1 (7:00AM to 8:30AM)</a:t>
-            </a:r>
-          </a:p>
-          <a:p>
-            <a:pPr lvl="1"/>
-            <a:r>
-              <a:rPr lang="en-US" sz="1801" dirty="0"/>
-              <a:t>Batch 2 (5:30PM to 7:00PM)</a:t>
-            </a:r>
-            <a:endParaRPr sz="1801" dirty="0"/>
-          </a:p>
-          <a:p>
+              <a:t>Basic Computer Skills</a:t>
+            </a:r>
+          </a:p>
+          <a:p>
+            <a:pPr>
+              <a:lnSpc>
+                <a:spcPct val="150000"/>
+              </a:lnSpc>
+              <a:defRPr sz="2400"/>
+            </a:pPr>
             <a:r>
               <a:rPr sz="2000" dirty="0"/>
-              <a:t>- Class Mode: Offline Only</a:t>
-            </a:r>
-          </a:p>
-          <a:p>
+              <a:t>👉 </a:t>
+            </a:r>
+            <a:r>
+              <a:rPr lang="en-US" sz="2000" dirty="0"/>
+              <a:t> </a:t>
+            </a:r>
             <a:r>
               <a:rPr sz="2000" dirty="0"/>
-              <a:t>- Address: Vrindavan Colony Road No. 1A, Near </a:t>
-            </a:r>
-            <a:r>
-              <a:rPr sz="2000" dirty="0" err="1"/>
-              <a:t>Walmi</a:t>
-            </a:r>
+              <a:t>Interview &amp; Study Confidence</a:t>
+            </a:r>
+          </a:p>
+          <a:p>
+            <a:pPr>
+              <a:lnSpc>
+                <a:spcPct val="150000"/>
+              </a:lnSpc>
+              <a:defRPr sz="2400"/>
+            </a:pPr>
             <a:r>
               <a:rPr sz="2000" dirty="0"/>
-              <a:t> AIIMS Road, </a:t>
-            </a:r>
-            <a:r>
-              <a:rPr sz="2000" dirty="0" err="1"/>
-              <a:t>Phulwari</a:t>
+              <a:t>👉 </a:t>
+            </a:r>
+            <a:r>
+              <a:rPr lang="en-US" sz="2000" dirty="0"/>
+              <a:t> </a:t>
             </a:r>
             <a:r>
               <a:rPr sz="2000" dirty="0"/>
-              <a:t> Sharif, Patna-801505</a:t>
+              <a:t>Certificate for Future Value</a:t>
+            </a:r>
+          </a:p>
+          <a:p>
+            <a:pPr>
+              <a:lnSpc>
+                <a:spcPct val="150000"/>
+              </a:lnSpc>
+              <a:defRPr sz="2400"/>
+            </a:pPr>
+            <a:r>
+              <a:rPr sz="2000" dirty="0"/>
+              <a:t>👉 </a:t>
+            </a:r>
+            <a:r>
+              <a:rPr lang="en-US" sz="2000" dirty="0"/>
+              <a:t> </a:t>
+            </a:r>
+            <a:r>
+              <a:rPr sz="2000" dirty="0"/>
+              <a:t>Time ka Best Use - Skill Develop</a:t>
             </a:r>
           </a:p>
         </p:txBody>
@@ -14114,7 +14372,7 @@
           <a:lstStyle/>
           <a:p>
             <a:r>
-              <a:t>What You Will Learn</a:t>
+              <a:t>Offline Batch Details</a:t>
             </a:r>
           </a:p>
         </p:txBody>
@@ -14129,7 +14387,12 @@
             <p:ph idx="1"/>
           </p:nvPr>
         </p:nvSpPr>
-        <p:spPr/>
+        <p:spPr>
+          <a:xfrm>
+            <a:off x="1154654" y="2603500"/>
+            <a:ext cx="8759131" cy="3416300"/>
+          </a:xfrm>
+        </p:spPr>
         <p:txBody>
           <a:bodyPr>
             <a:normAutofit/>
@@ -14138,66 +14401,62 @@
           <a:p>
             <a:r>
               <a:rPr sz="2000" dirty="0"/>
-              <a:t>- Computer Basics</a:t>
-            </a:r>
-            <a:r>
-              <a:rPr lang="en-IN" sz="2000" dirty="0"/>
-              <a:t> – Zero to Hero</a:t>
+              <a:t>- Batch Starting Date: </a:t>
+            </a:r>
+            <a:r>
+              <a:rPr lang="en-US" sz="2000" dirty="0"/>
+              <a:t>21/07/2025</a:t>
             </a:r>
             <a:endParaRPr sz="2000" dirty="0"/>
           </a:p>
           <a:p>
             <a:r>
               <a:rPr sz="2000" dirty="0"/>
-              <a:t>- MS Office (Word, Excel, PPT)</a:t>
-            </a:r>
+              <a:t>- Timing: </a:t>
+            </a:r>
+            <a:endParaRPr lang="en-US" sz="2000" dirty="0"/>
+          </a:p>
+          <a:p>
+            <a:pPr lvl="1"/>
+            <a:r>
+              <a:rPr lang="en-US" sz="1801" dirty="0"/>
+              <a:t>Batch 1 (7:00AM to 8:30AM)</a:t>
+            </a:r>
+          </a:p>
+          <a:p>
+            <a:pPr lvl="1"/>
+            <a:r>
+              <a:rPr lang="en-US" sz="1801" dirty="0"/>
+              <a:t>Batch 2 (5:30PM to 7:00PM)</a:t>
+            </a:r>
+            <a:endParaRPr sz="1801" dirty="0"/>
           </a:p>
           <a:p>
             <a:r>
               <a:rPr sz="2000" dirty="0"/>
-              <a:t>- Photoshop Basics</a:t>
-            </a:r>
-            <a:r>
-              <a:rPr lang="en-US" sz="2000" dirty="0"/>
-              <a:t> &amp; </a:t>
-            </a:r>
-            <a:r>
-              <a:rPr lang="en-IN" sz="2000" dirty="0"/>
-              <a:t>Canva</a:t>
-            </a:r>
-            <a:endParaRPr lang="en-US" sz="2000" dirty="0"/>
-          </a:p>
-          <a:p>
-            <a:r>
-              <a:rPr lang="en-IN" sz="2000" dirty="0"/>
-              <a:t>- Internet ka Safe Use</a:t>
-            </a:r>
-            <a:endParaRPr sz="2000" dirty="0"/>
+              <a:t>- Class Mode: Offline Only</a:t>
+            </a:r>
           </a:p>
           <a:p>
             <a:r>
               <a:rPr sz="2000" dirty="0"/>
-              <a:t>- Programming Basics (Python/C)</a:t>
-            </a:r>
-          </a:p>
-          <a:p>
+              <a:t>- Address: Vrindavan Colony Road No. 1A, Near </a:t>
+            </a:r>
+            <a:r>
+              <a:rPr sz="2000" dirty="0" err="1"/>
+              <a:t>Walmi</a:t>
+            </a:r>
             <a:r>
               <a:rPr sz="2000" dirty="0"/>
-              <a:t>- Website Designing (HTML, CSS)</a:t>
-            </a:r>
-          </a:p>
-          <a:p>
+              <a:t> AIIMS Road, </a:t>
+            </a:r>
+            <a:r>
+              <a:rPr sz="2000" dirty="0" err="1"/>
+              <a:t>Phulwari</a:t>
+            </a:r>
             <a:r>
               <a:rPr sz="2000" dirty="0"/>
-              <a:t>- </a:t>
-            </a:r>
-            <a:r>
-              <a:rPr lang="en-US" sz="2000" dirty="0"/>
-              <a:t>Test and </a:t>
-            </a:r>
-            <a:r>
-              <a:rPr sz="2000" dirty="0"/>
-              <a:t>Certification</a:t>
+              <a:t> Sharif, Patna-801505</a:t>
             </a:r>
           </a:p>
         </p:txBody>
@@ -14243,7 +14502,7 @@
           <a:lstStyle/>
           <a:p>
             <a:r>
-              <a:t>Class Rules &amp; Discipline</a:t>
+              <a:t>What You Will Learn</a:t>
             </a:r>
           </a:p>
         </p:txBody>
@@ -14267,31 +14526,66 @@
           <a:p>
             <a:r>
               <a:rPr sz="2000" dirty="0"/>
-              <a:t>✅ Come on Time</a:t>
-            </a:r>
+              <a:t>- Computer Basics</a:t>
+            </a:r>
+            <a:r>
+              <a:rPr lang="en-IN" sz="2000" dirty="0"/>
+              <a:t> – Zero to Hero</a:t>
+            </a:r>
+            <a:endParaRPr sz="2000" dirty="0"/>
           </a:p>
           <a:p>
             <a:r>
               <a:rPr sz="2000" dirty="0"/>
-              <a:t>✅ Daily Attendance Compulsory</a:t>
+              <a:t>- MS Office (Word, Excel, PPT)</a:t>
             </a:r>
           </a:p>
           <a:p>
             <a:r>
               <a:rPr sz="2000" dirty="0"/>
-              <a:t>✅ Mobile Silent Mode</a:t>
-            </a:r>
+              <a:t>- Photoshop Basics</a:t>
+            </a:r>
+            <a:r>
+              <a:rPr lang="en-US" sz="2000" dirty="0"/>
+              <a:t> &amp; </a:t>
+            </a:r>
+            <a:r>
+              <a:rPr lang="en-IN" sz="2000" dirty="0"/>
+              <a:t>Canva</a:t>
+            </a:r>
+            <a:endParaRPr lang="en-US" sz="2000" dirty="0"/>
+          </a:p>
+          <a:p>
+            <a:r>
+              <a:rPr lang="en-IN" sz="2000" dirty="0"/>
+              <a:t>- Internet ka Safe Use</a:t>
+            </a:r>
+            <a:endParaRPr sz="2000" dirty="0"/>
           </a:p>
           <a:p>
             <a:r>
               <a:rPr sz="2000" dirty="0"/>
-              <a:t>✅ Respect Trainers and Classmates</a:t>
+              <a:t>- Programming Basics (Python/C)</a:t>
             </a:r>
           </a:p>
           <a:p>
             <a:r>
               <a:rPr sz="2000" dirty="0"/>
-              <a:t>✅ Complete Homework &amp; Assignments</a:t>
+              <a:t>- Website Designing (HTML, CSS)</a:t>
+            </a:r>
+          </a:p>
+          <a:p>
+            <a:r>
+              <a:rPr sz="2000" dirty="0"/>
+              <a:t>- </a:t>
+            </a:r>
+            <a:r>
+              <a:rPr lang="en-US" sz="2000" dirty="0"/>
+              <a:t>Test and </a:t>
+            </a:r>
+            <a:r>
+              <a:rPr sz="2000" dirty="0"/>
+              <a:t>Certification</a:t>
             </a:r>
           </a:p>
         </p:txBody>
@@ -14337,7 +14631,7 @@
           <a:lstStyle/>
           <a:p>
             <a:r>
-              <a:t>Facilities Provided</a:t>
+              <a:t>Class Rules &amp; Discipline</a:t>
             </a:r>
           </a:p>
         </p:txBody>
@@ -14361,19 +14655,31 @@
           <a:p>
             <a:r>
               <a:rPr sz="2000" dirty="0"/>
-              <a:t>- Internet Access During Class</a:t>
+              <a:t>✅ Come on Time</a:t>
             </a:r>
           </a:p>
           <a:p>
             <a:r>
               <a:rPr sz="2000" dirty="0"/>
-              <a:t>- Practical Hands-on Sessions</a:t>
+              <a:t>✅ Daily Attendance Compulsory</a:t>
             </a:r>
           </a:p>
           <a:p>
             <a:r>
               <a:rPr sz="2000" dirty="0"/>
-              <a:t>- Support for Career Guidance</a:t>
+              <a:t>✅ Mobile Silent Mode</a:t>
+            </a:r>
+          </a:p>
+          <a:p>
+            <a:r>
+              <a:rPr sz="2000" dirty="0"/>
+              <a:t>✅ Respect Trainers and Classmates</a:t>
+            </a:r>
+          </a:p>
+          <a:p>
+            <a:r>
+              <a:rPr sz="2000" dirty="0"/>
+              <a:t>✅ Complete Homework &amp; Assignments</a:t>
             </a:r>
           </a:p>
         </p:txBody>
@@ -14419,7 +14725,7 @@
           <a:lstStyle/>
           <a:p>
             <a:r>
-              <a:t>Certificate Will Be Provided</a:t>
+              <a:t>Facilities Provided</a:t>
             </a:r>
           </a:p>
         </p:txBody>
@@ -14443,35 +14749,19 @@
           <a:p>
             <a:r>
               <a:rPr sz="2000" dirty="0"/>
-              <a:t>✅ </a:t>
-            </a:r>
-            <a:r>
-              <a:rPr lang="en-US" sz="2000" dirty="0"/>
-              <a:t>100</a:t>
-            </a:r>
+              <a:t>- Internet Access During Class</a:t>
+            </a:r>
+          </a:p>
+          <a:p>
             <a:r>
               <a:rPr sz="2000" dirty="0"/>
-              <a:t>% Attendance</a:t>
+              <a:t>- Practical Hands-on Sessions</a:t>
             </a:r>
           </a:p>
           <a:p>
             <a:r>
               <a:rPr sz="2000" dirty="0"/>
-              <a:t>✅ Final MCQ Test (Day 7)</a:t>
-            </a:r>
-          </a:p>
-          <a:p>
-            <a:r>
-              <a:rPr sz="2000" dirty="0"/>
-              <a:t>✅ Certificate Issued by </a:t>
-            </a:r>
-            <a:r>
-              <a:rPr sz="2000" dirty="0" err="1"/>
-              <a:t>Pariwartan</a:t>
-            </a:r>
-            <a:r>
-              <a:rPr sz="2000" dirty="0"/>
-              <a:t> Computer Training Institute</a:t>
+              <a:t>- Support for Career Guidance</a:t>
             </a:r>
           </a:p>
         </p:txBody>
@@ -14517,7 +14807,7 @@
           <a:lstStyle/>
           <a:p>
             <a:r>
-              <a:t>For Any Queries</a:t>
+              <a:t>Certificate Will Be Provided</a:t>
             </a:r>
           </a:p>
         </p:txBody>
@@ -14541,25 +14831,35 @@
           <a:p>
             <a:r>
               <a:rPr sz="2000" dirty="0"/>
-              <a:t>📞 Sudhir Sir: 8409522069</a:t>
-            </a:r>
-          </a:p>
-          <a:p>
+              <a:t>✅ </a:t>
+            </a:r>
+            <a:r>
+              <a:rPr lang="en-US" sz="2000" dirty="0"/>
+              <a:t>100</a:t>
+            </a:r>
             <a:r>
               <a:rPr sz="2000" dirty="0"/>
-              <a:t>📞 Suraj Sir: 8427714353</a:t>
+              <a:t>% Attendance</a:t>
             </a:r>
           </a:p>
           <a:p>
             <a:r>
               <a:rPr sz="2000" dirty="0"/>
-              <a:t>✅ Ask Doubts Freely Anytime</a:t>
+              <a:t>✅ Final MCQ Test (Day 7)</a:t>
             </a:r>
           </a:p>
           <a:p>
             <a:r>
               <a:rPr sz="2000" dirty="0"/>
-              <a:t>✅ WhatsApp Support Available</a:t>
+              <a:t>✅ Certificate Issued by </a:t>
+            </a:r>
+            <a:r>
+              <a:rPr sz="2000" dirty="0" err="1"/>
+              <a:t>Pariwartan</a:t>
+            </a:r>
+            <a:r>
+              <a:rPr sz="2000" dirty="0"/>
+              <a:t> Computer Training Institute</a:t>
             </a:r>
           </a:p>
         </p:txBody>
